--- a/open_flex_ticket_ontology_slides.pptx
+++ b/open_flex_ticket_ontology_slides.pptx
@@ -222,7 +222,7 @@
           <a:p>
             <a:fld id="{172C4CD4-DAAF-461F-95FD-A3B697D4B4FF}" type="datetimeFigureOut">
               <a:rPr lang="en-US" smtClean="0"/>
-              <a:t>2025-06-12</a:t>
+              <a:t>2025-06-22</a:t>
             </a:fld>
             <a:endParaRPr lang="en-US"/>
           </a:p>
@@ -535,14 +535,14 @@
           <a:p>
             <a:r>
               <a:rPr lang="en-US" dirty="0"/>
-              <a:t>Hello everyone. I’m Ayoub Alzahim.</a:t>
+              <a:t>Hello everyone.</a:t>
             </a:r>
             <a:br>
               <a:rPr lang="en-US" dirty="0"/>
             </a:br>
             <a:r>
               <a:rPr lang="en-US" dirty="0"/>
-              <a:t>Today I’ll show how I rebuilt the Belgian Railways ‘Flex’ ticket pricing engine with open-source tools and added new business rules</a:t>
+              <a:t>Today we’ll show how I rebuilt the Belgian Railways ‘Flex’ ticket pricing engine with open-source tools and added new business rules</a:t>
             </a:r>
           </a:p>
         </p:txBody>
@@ -2142,7 +2142,7 @@
           <a:p>
             <a:fld id="{5BCAD085-E8A6-8845-BD4E-CB4CCA059FC4}" type="datetimeFigureOut">
               <a:rPr lang="en-US" smtClean="0"/>
-              <a:t>2025-06-12</a:t>
+              <a:t>2025-06-22</a:t>
             </a:fld>
             <a:endParaRPr lang="en-US"/>
           </a:p>
@@ -2310,7 +2310,7 @@
           <a:p>
             <a:fld id="{5BCAD085-E8A6-8845-BD4E-CB4CCA059FC4}" type="datetimeFigureOut">
               <a:rPr lang="en-US" smtClean="0"/>
-              <a:t>2025-06-12</a:t>
+              <a:t>2025-06-22</a:t>
             </a:fld>
             <a:endParaRPr lang="en-US"/>
           </a:p>
@@ -2488,7 +2488,7 @@
           <a:p>
             <a:fld id="{5BCAD085-E8A6-8845-BD4E-CB4CCA059FC4}" type="datetimeFigureOut">
               <a:rPr lang="en-US" smtClean="0"/>
-              <a:t>2025-06-12</a:t>
+              <a:t>2025-06-22</a:t>
             </a:fld>
             <a:endParaRPr lang="en-US"/>
           </a:p>
@@ -2656,7 +2656,7 @@
           <a:p>
             <a:fld id="{5BCAD085-E8A6-8845-BD4E-CB4CCA059FC4}" type="datetimeFigureOut">
               <a:rPr lang="en-US" smtClean="0"/>
-              <a:t>2025-06-12</a:t>
+              <a:t>2025-06-22</a:t>
             </a:fld>
             <a:endParaRPr lang="en-US"/>
           </a:p>
@@ -2901,7 +2901,7 @@
           <a:p>
             <a:fld id="{5BCAD085-E8A6-8845-BD4E-CB4CCA059FC4}" type="datetimeFigureOut">
               <a:rPr lang="en-US" smtClean="0"/>
-              <a:t>2025-06-12</a:t>
+              <a:t>2025-06-22</a:t>
             </a:fld>
             <a:endParaRPr lang="en-US"/>
           </a:p>
@@ -3186,7 +3186,7 @@
           <a:p>
             <a:fld id="{5BCAD085-E8A6-8845-BD4E-CB4CCA059FC4}" type="datetimeFigureOut">
               <a:rPr lang="en-US" smtClean="0"/>
-              <a:t>2025-06-12</a:t>
+              <a:t>2025-06-22</a:t>
             </a:fld>
             <a:endParaRPr lang="en-US"/>
           </a:p>
@@ -3605,7 +3605,7 @@
           <a:p>
             <a:fld id="{5BCAD085-E8A6-8845-BD4E-CB4CCA059FC4}" type="datetimeFigureOut">
               <a:rPr lang="en-US" smtClean="0"/>
-              <a:t>2025-06-12</a:t>
+              <a:t>2025-06-22</a:t>
             </a:fld>
             <a:endParaRPr lang="en-US"/>
           </a:p>
@@ -3722,7 +3722,7 @@
           <a:p>
             <a:fld id="{5BCAD085-E8A6-8845-BD4E-CB4CCA059FC4}" type="datetimeFigureOut">
               <a:rPr lang="en-US" smtClean="0"/>
-              <a:t>2025-06-12</a:t>
+              <a:t>2025-06-22</a:t>
             </a:fld>
             <a:endParaRPr lang="en-US"/>
           </a:p>
@@ -3817,7 +3817,7 @@
           <a:p>
             <a:fld id="{5BCAD085-E8A6-8845-BD4E-CB4CCA059FC4}" type="datetimeFigureOut">
               <a:rPr lang="en-US" smtClean="0"/>
-              <a:t>2025-06-12</a:t>
+              <a:t>2025-06-22</a:t>
             </a:fld>
             <a:endParaRPr lang="en-US"/>
           </a:p>
@@ -4092,7 +4092,7 @@
           <a:p>
             <a:fld id="{5BCAD085-E8A6-8845-BD4E-CB4CCA059FC4}" type="datetimeFigureOut">
               <a:rPr lang="en-US" smtClean="0"/>
-              <a:t>2025-06-12</a:t>
+              <a:t>2025-06-22</a:t>
             </a:fld>
             <a:endParaRPr lang="en-US"/>
           </a:p>
@@ -4344,7 +4344,7 @@
           <a:p>
             <a:fld id="{5BCAD085-E8A6-8845-BD4E-CB4CCA059FC4}" type="datetimeFigureOut">
               <a:rPr lang="en-US" smtClean="0"/>
-              <a:t>2025-06-12</a:t>
+              <a:t>2025-06-22</a:t>
             </a:fld>
             <a:endParaRPr lang="en-US"/>
           </a:p>
@@ -4555,7 +4555,7 @@
           <a:p>
             <a:fld id="{5BCAD085-E8A6-8845-BD4E-CB4CCA059FC4}" type="datetimeFigureOut">
               <a:rPr lang="en-US" smtClean="0"/>
-              <a:t>2025-06-12</a:t>
+              <a:t>2025-06-22</a:t>
             </a:fld>
             <a:endParaRPr lang="en-US"/>
           </a:p>
@@ -4963,11 +4963,40 @@
         </p:nvSpPr>
         <p:spPr/>
         <p:txBody>
-          <a:bodyPr/>
-          <a:lstStyle/>
-          <a:p>
-            <a:r>
-              <a:t>Open‑Source Re‑Implementation &amp; Extension  •  Ayoub Alzahim</a:t>
+          <a:bodyPr>
+            <a:normAutofit fontScale="92500" lnSpcReduction="10000"/>
+          </a:bodyPr>
+          <a:lstStyle/>
+          <a:p>
+            <a:r>
+              <a:rPr dirty="0"/>
+              <a:t>Open‑Source Re‑Implementation &amp; Extension</a:t>
+            </a:r>
+            <a:endParaRPr lang="en-US" dirty="0"/>
+          </a:p>
+          <a:p>
+            <a:endParaRPr lang="en-US" dirty="0"/>
+          </a:p>
+          <a:p>
+            <a:r>
+              <a:rPr lang="en-US" sz="1600" i="1" dirty="0"/>
+              <a:t>Ayoub Alzahim, Albaraa </a:t>
+            </a:r>
+            <a:r>
+              <a:rPr lang="en-US" sz="1600" i="1" dirty="0" err="1"/>
+              <a:t>Alruwaymi</a:t>
+            </a:r>
+            <a:r>
+              <a:rPr lang="en-US" sz="1600" i="1" dirty="0"/>
+              <a:t>, Talal Omar </a:t>
+            </a:r>
+            <a:r>
+              <a:rPr lang="en-US" sz="1600" i="1" dirty="0" err="1"/>
+              <a:t>Aljasser</a:t>
+            </a:r>
+            <a:r>
+              <a:rPr lang="en-US" sz="1600" i="1" dirty="0"/>
+              <a:t>, Omar Almutairi</a:t>
             </a:r>
           </a:p>
         </p:txBody>
